--- a/1차 발표.pptx
+++ b/1차 발표.pptx
@@ -8261,11 +8261,7 @@
             </a:r>
             <a:r>
               <a:rPr lang="en-US" altLang="ko-KR" dirty="0" smtClean="0"/>
-              <a:t>: </a:t>
-            </a:r>
-            <a:r>
-              <a:rPr lang="en-US" altLang="ko-KR" dirty="0" smtClean="0"/>
-              <a:t>2010151009</a:t>
+              <a:t>: 2010151009</a:t>
             </a:r>
             <a:endParaRPr lang="ko-KR" altLang="en-US" dirty="0" smtClean="0"/>
           </a:p>
@@ -8418,15 +8414,7 @@
                   <a:schemeClr val="bg1"/>
                 </a:solidFill>
               </a:rPr>
-              <a:t>정령을 </a:t>
-            </a:r>
-            <a:r>
-              <a:rPr lang="ko-KR" altLang="en-US" sz="2000" dirty="0" smtClean="0">
-                <a:solidFill>
-                  <a:schemeClr val="bg1"/>
-                </a:solidFill>
-              </a:rPr>
-              <a:t>소환해서 상대 정령들과 부대 전투</a:t>
+              <a:t>정령을 소환해서 상대 정령들과 부대 전투</a:t>
             </a:r>
             <a:r>
               <a:rPr lang="en-US" altLang="ko-KR" sz="2000" dirty="0" smtClean="0">
@@ -8461,15 +8449,7 @@
                   <a:schemeClr val="bg1"/>
                 </a:solidFill>
               </a:rPr>
-              <a:t> </a:t>
-            </a:r>
-            <a:r>
-              <a:rPr lang="ko-KR" altLang="en-US" sz="2000" dirty="0" smtClean="0">
-                <a:solidFill>
-                  <a:schemeClr val="bg1"/>
-                </a:solidFill>
-              </a:rPr>
-              <a:t>방식과 속성 특성으로 전략적인 움직임 필요</a:t>
+              <a:t> 방식과 속성 특성으로 전략적인 움직임 필요</a:t>
             </a:r>
             <a:endParaRPr lang="ko-KR" altLang="en-US" sz="2000" dirty="0">
               <a:solidFill>
@@ -8566,7 +8546,7 @@
           <p:nvPr>
             <p:extLst>
               <p:ext uri="{D42A27DB-BD31-4B8C-83A1-F6EECF244321}">
-                <p14:modId xmlns:p14="http://schemas.microsoft.com/office/powerpoint/2010/main" val="1575381690"/>
+                <p14:modId xmlns:p14="http://schemas.microsoft.com/office/powerpoint/2010/main" val="3386725142"/>
               </p:ext>
             </p:extLst>
           </p:nvPr>
@@ -9060,15 +9040,7 @@
                       <a:pPr latinLnBrk="1"/>
                       <a:r>
                         <a:rPr lang="ko-KR" altLang="en-US" sz="1400" dirty="0" smtClean="0"/>
-                        <a:t>특별한 이벤트로 같은 정령이라도 다른 기술 습득하는 </a:t>
-                      </a:r>
-                      <a:r>
-                        <a:rPr lang="ko-KR" altLang="en-US" sz="1400" dirty="0" smtClean="0"/>
-                        <a:t>스토리 </a:t>
-                      </a:r>
-                      <a:r>
-                        <a:rPr lang="ko-KR" altLang="en-US" sz="1400" dirty="0" smtClean="0"/>
-                        <a:t>추가</a:t>
+                        <a:t>특별한 이벤트로 같은 정령이라도 다른 기술 습득하는 스토리 추가</a:t>
                       </a:r>
                       <a:endParaRPr lang="ko-KR" altLang="en-US" sz="1400" dirty="0"/>
                     </a:p>
@@ -9176,11 +9148,7 @@
                       <a:pPr latinLnBrk="1"/>
                       <a:r>
                         <a:rPr lang="ko-KR" altLang="en-US" sz="1400" dirty="0" smtClean="0"/>
-                        <a:t>전투가 </a:t>
-                      </a:r>
-                      <a:r>
-                        <a:rPr lang="ko-KR" altLang="en-US" sz="1400" dirty="0" smtClean="0"/>
-                        <a:t>가능한 </a:t>
+                        <a:t>전투가 가능한 </a:t>
                       </a:r>
                       <a:r>
                         <a:rPr lang="en-US" altLang="ko-KR" sz="1400" dirty="0" smtClean="0"/>
@@ -9252,11 +9220,7 @@
                       </a:r>
                       <a:r>
                         <a:rPr lang="ko-KR" altLang="en-US" sz="1400" dirty="0" smtClean="0"/>
-                        <a:t> </a:t>
-                      </a:r>
-                      <a:r>
-                        <a:rPr lang="ko-KR" altLang="en-US" sz="1400" dirty="0" smtClean="0"/>
-                        <a:t>추가</a:t>
+                        <a:t> 추가</a:t>
                       </a:r>
                       <a:endParaRPr lang="en-US" altLang="ko-KR" sz="1400" dirty="0" smtClean="0"/>
                     </a:p>
@@ -9856,7 +9820,19 @@
                       </a:r>
                       <a:r>
                         <a:rPr lang="ko-KR" altLang="en-US" sz="1400" dirty="0" smtClean="0"/>
-                        <a:t>싸우는 방식이 아닌 색다른 승리목표</a:t>
+                        <a:t>싸우는 방식이 아닌 색다른 </a:t>
+                      </a:r>
+                      <a:r>
+                        <a:rPr lang="ko-KR" altLang="en-US" sz="1400" dirty="0" smtClean="0"/>
+                        <a:t>승리목표</a:t>
+                      </a:r>
+                      <a:r>
+                        <a:rPr lang="en-US" altLang="ko-KR" sz="1400" dirty="0" smtClean="0"/>
+                        <a:t>, </a:t>
+                      </a:r>
+                      <a:r>
+                        <a:rPr lang="ko-KR" altLang="en-US" sz="1400" dirty="0" smtClean="0"/>
+                        <a:t>속성 적용</a:t>
                       </a:r>
                       <a:endParaRPr lang="en-US" altLang="ko-KR" sz="1400" dirty="0" smtClean="0"/>
                     </a:p>
@@ -12263,7 +12239,7 @@
           <p:nvPr>
             <p:extLst>
               <p:ext uri="{D42A27DB-BD31-4B8C-83A1-F6EECF244321}">
-                <p14:modId xmlns:p14="http://schemas.microsoft.com/office/powerpoint/2010/main" val="2176287641"/>
+                <p14:modId xmlns:p14="http://schemas.microsoft.com/office/powerpoint/2010/main" val="2059357173"/>
               </p:ext>
             </p:extLst>
           </p:nvPr>
@@ -12910,6 +12886,14 @@
                         <a:rPr lang="ko-KR" altLang="en-US" dirty="0" smtClean="0"/>
                         <a:t>턴</a:t>
                       </a:r>
+                      <a:r>
+                        <a:rPr lang="en-US" altLang="ko-KR" dirty="0" smtClean="0"/>
+                        <a:t>, </a:t>
+                      </a:r>
+                      <a:r>
+                        <a:rPr lang="ko-KR" altLang="en-US" dirty="0" smtClean="0"/>
+                        <a:t>사운드</a:t>
+                      </a:r>
                       <a:endParaRPr lang="ko-KR" altLang="en-US" dirty="0"/>
                     </a:p>
                   </a:txBody>
@@ -12923,7 +12907,19 @@
                       <a:pPr algn="ctr" latinLnBrk="1"/>
                       <a:r>
                         <a:rPr lang="ko-KR" altLang="en-US" sz="1200" dirty="0" smtClean="0"/>
-                        <a:t>캐릭터들은 한 턴에 한 번만 움직일 수 있고 턴을 종료 할 경우 적의 턴에 적의 행동이 들어갈 방법 구현</a:t>
+                        <a:t>캐릭터들은 한 턴에 한 번만 움직일 수 있고 턴을 종료 할 경우 적의 턴에 적의 행동이 들어갈 방법 </a:t>
+                      </a:r>
+                      <a:r>
+                        <a:rPr lang="ko-KR" altLang="en-US" sz="1200" dirty="0" smtClean="0"/>
+                        <a:t>구현</a:t>
+                      </a:r>
+                      <a:endParaRPr lang="en-US" altLang="ko-KR" sz="1200" dirty="0" smtClean="0"/>
+                    </a:p>
+                    <a:p>
+                      <a:pPr algn="ctr" latinLnBrk="1"/>
+                      <a:r>
+                        <a:rPr lang="ko-KR" altLang="en-US" sz="1200" dirty="0" smtClean="0"/>
+                        <a:t>현재까지 개발된 것들에 모든 사운드를 적용</a:t>
                       </a:r>
                       <a:endParaRPr lang="ko-KR" altLang="en-US" sz="1200" dirty="0"/>
                     </a:p>
